--- a/lab-freshmen/스토리지 시스템 기초/0310.Flash-based SSDs/Flash-based SSDs.pptx
+++ b/lab-freshmen/스토리지 시스템 기초/0310.Flash-based SSDs/Flash-based SSDs.pptx
@@ -15551,13 +15551,13 @@
               <a:defRPr/>
             </a:pPr>
             <a:r>
-              <a:rPr lang="en-US" altLang="ko-KR" sz="1800" b="1" kern="0">
+              <a:rPr lang="en-US" altLang="ko-KR" sz="1800" b="1" kern="0" dirty="0">
                 <a:latin typeface="Calibri"/>
               </a:rPr>
               <a:t>Presenter:</a:t>
             </a:r>
             <a:r>
-              <a:rPr lang="en-US" altLang="ko-KR" sz="1800" kern="0">
+              <a:rPr lang="en-US" altLang="ko-KR" sz="1800" kern="0" dirty="0">
                 <a:latin typeface="Calibri"/>
               </a:rPr>
               <a:t> </a:t>
@@ -15575,10 +15575,16 @@
               <a:defRPr/>
             </a:pPr>
             <a:r>
-              <a:rPr lang="en-US" altLang="ko-KR" sz="1800" kern="0">
-                <a:latin typeface="Calibri"/>
-              </a:rPr>
-              <a:t>Daehan LEE</a:t>
+              <a:rPr lang="en-US" altLang="ko-KR" sz="1800" kern="0" dirty="0" err="1">
+                <a:latin typeface="Calibri"/>
+              </a:rPr>
+              <a:t>Daehan</a:t>
+            </a:r>
+            <a:r>
+              <a:rPr lang="en-US" altLang="ko-KR" sz="1800" kern="0" dirty="0">
+                <a:latin typeface="Calibri"/>
+              </a:rPr>
+              <a:t> Lee</a:t>
             </a:r>
           </a:p>
         </p:txBody>
@@ -15621,7 +15627,7 @@
     <mc:Choice Requires="p14">
       <p:transition/>
     </mc:Choice>
-    <mc:Fallback xmlns:dsp="http://schemas.microsoft.com/office/drawing/2008/diagram" xmlns:dgm="http://schemas.openxmlformats.org/drawingml/2006/diagram" xmlns:c="http://schemas.openxmlformats.org/drawingml/2006/chart" xmlns="">
+    <mc:Fallback xmlns="" xmlns:c="http://schemas.openxmlformats.org/drawingml/2006/chart" xmlns:dgm="http://schemas.openxmlformats.org/drawingml/2006/diagram" xmlns:dsp="http://schemas.microsoft.com/office/drawing/2008/diagram">
       <p:transition/>
     </mc:Fallback>
   </mc:AlternateContent>
@@ -16120,7 +16126,7 @@
     <mc:Choice Requires="p14">
       <p:transition/>
     </mc:Choice>
-    <mc:Fallback xmlns:dsp="http://schemas.microsoft.com/office/drawing/2008/diagram" xmlns:dgm="http://schemas.openxmlformats.org/drawingml/2006/diagram" xmlns:c="http://schemas.openxmlformats.org/drawingml/2006/chart" xmlns="">
+    <mc:Fallback xmlns="" xmlns:c="http://schemas.openxmlformats.org/drawingml/2006/chart" xmlns:dgm="http://schemas.openxmlformats.org/drawingml/2006/diagram" xmlns:dsp="http://schemas.microsoft.com/office/drawing/2008/diagram">
       <p:transition/>
     </mc:Fallback>
   </mc:AlternateContent>
@@ -16475,7 +16481,7 @@
     <mc:Choice Requires="p14">
       <p:transition/>
     </mc:Choice>
-    <mc:Fallback xmlns:dsp="http://schemas.microsoft.com/office/drawing/2008/diagram" xmlns:dgm="http://schemas.openxmlformats.org/drawingml/2006/diagram" xmlns:c="http://schemas.openxmlformats.org/drawingml/2006/chart" xmlns="">
+    <mc:Fallback xmlns="" xmlns:c="http://schemas.openxmlformats.org/drawingml/2006/chart" xmlns:dgm="http://schemas.openxmlformats.org/drawingml/2006/diagram" xmlns:dsp="http://schemas.microsoft.com/office/drawing/2008/diagram">
       <p:transition/>
     </mc:Fallback>
   </mc:AlternateContent>
@@ -17025,7 +17031,7 @@
     <mc:Choice Requires="p14">
       <p:transition/>
     </mc:Choice>
-    <mc:Fallback xmlns:dsp="http://schemas.microsoft.com/office/drawing/2008/diagram" xmlns:dgm="http://schemas.openxmlformats.org/drawingml/2006/diagram" xmlns:c="http://schemas.openxmlformats.org/drawingml/2006/chart" xmlns="">
+    <mc:Fallback xmlns="" xmlns:c="http://schemas.openxmlformats.org/drawingml/2006/chart" xmlns:dgm="http://schemas.openxmlformats.org/drawingml/2006/diagram" xmlns:dsp="http://schemas.microsoft.com/office/drawing/2008/diagram">
       <p:transition/>
     </mc:Fallback>
   </mc:AlternateContent>
@@ -17693,7 +17699,7 @@
     <mc:Choice Requires="p14">
       <p:transition/>
     </mc:Choice>
-    <mc:Fallback xmlns:dsp="http://schemas.microsoft.com/office/drawing/2008/diagram" xmlns:dgm="http://schemas.openxmlformats.org/drawingml/2006/diagram" xmlns:c="http://schemas.openxmlformats.org/drawingml/2006/chart" xmlns="">
+    <mc:Fallback xmlns="" xmlns:c="http://schemas.openxmlformats.org/drawingml/2006/chart" xmlns:dgm="http://schemas.openxmlformats.org/drawingml/2006/diagram" xmlns:dsp="http://schemas.microsoft.com/office/drawing/2008/diagram">
       <p:transition/>
     </mc:Fallback>
   </mc:AlternateContent>
@@ -18048,7 +18054,7 @@
     <mc:Choice Requires="p14">
       <p:transition/>
     </mc:Choice>
-    <mc:Fallback xmlns:dsp="http://schemas.microsoft.com/office/drawing/2008/diagram" xmlns:dgm="http://schemas.openxmlformats.org/drawingml/2006/diagram" xmlns:c="http://schemas.openxmlformats.org/drawingml/2006/chart" xmlns="">
+    <mc:Fallback xmlns="" xmlns:c="http://schemas.openxmlformats.org/drawingml/2006/chart" xmlns:dgm="http://schemas.openxmlformats.org/drawingml/2006/diagram" xmlns:dsp="http://schemas.microsoft.com/office/drawing/2008/diagram">
       <p:transition/>
     </mc:Fallback>
   </mc:AlternateContent>
@@ -18723,7 +18729,7 @@
     <mc:Choice Requires="p14">
       <p:transition/>
     </mc:Choice>
-    <mc:Fallback xmlns:dsp="http://schemas.microsoft.com/office/drawing/2008/diagram" xmlns:dgm="http://schemas.openxmlformats.org/drawingml/2006/diagram" xmlns:c="http://schemas.openxmlformats.org/drawingml/2006/chart" xmlns="">
+    <mc:Fallback xmlns="" xmlns:c="http://schemas.openxmlformats.org/drawingml/2006/chart" xmlns:dgm="http://schemas.openxmlformats.org/drawingml/2006/diagram" xmlns:dsp="http://schemas.microsoft.com/office/drawing/2008/diagram">
       <p:transition/>
     </mc:Fallback>
   </mc:AlternateContent>
@@ -19541,7 +19547,7 @@
     <mc:Choice Requires="p14">
       <p:transition/>
     </mc:Choice>
-    <mc:Fallback xmlns:dsp="http://schemas.microsoft.com/office/drawing/2008/diagram" xmlns:dgm="http://schemas.openxmlformats.org/drawingml/2006/diagram" xmlns:c="http://schemas.openxmlformats.org/drawingml/2006/chart" xmlns="">
+    <mc:Fallback xmlns="" xmlns:c="http://schemas.openxmlformats.org/drawingml/2006/chart" xmlns:dgm="http://schemas.openxmlformats.org/drawingml/2006/diagram" xmlns:dsp="http://schemas.microsoft.com/office/drawing/2008/diagram">
       <p:transition/>
     </mc:Fallback>
   </mc:AlternateContent>
@@ -19896,7 +19902,7 @@
     <mc:Choice Requires="p14">
       <p:transition/>
     </mc:Choice>
-    <mc:Fallback xmlns:dsp="http://schemas.microsoft.com/office/drawing/2008/diagram" xmlns:dgm="http://schemas.openxmlformats.org/drawingml/2006/diagram" xmlns:c="http://schemas.openxmlformats.org/drawingml/2006/chart" xmlns="">
+    <mc:Fallback xmlns="" xmlns:c="http://schemas.openxmlformats.org/drawingml/2006/chart" xmlns:dgm="http://schemas.openxmlformats.org/drawingml/2006/diagram" xmlns:dsp="http://schemas.microsoft.com/office/drawing/2008/diagram">
       <p:transition/>
     </mc:Fallback>
   </mc:AlternateContent>
@@ -20791,7 +20797,7 @@
     <mc:Choice Requires="p14">
       <p:transition/>
     </mc:Choice>
-    <mc:Fallback xmlns:dsp="http://schemas.microsoft.com/office/drawing/2008/diagram" xmlns:dgm="http://schemas.openxmlformats.org/drawingml/2006/diagram" xmlns:c="http://schemas.openxmlformats.org/drawingml/2006/chart" xmlns="">
+    <mc:Fallback xmlns="" xmlns:c="http://schemas.openxmlformats.org/drawingml/2006/chart" xmlns:dgm="http://schemas.openxmlformats.org/drawingml/2006/diagram" xmlns:dsp="http://schemas.microsoft.com/office/drawing/2008/diagram">
       <p:transition/>
     </mc:Fallback>
   </mc:AlternateContent>
@@ -21384,7 +21390,7 @@
     <mc:Choice Requires="p14">
       <p:transition/>
     </mc:Choice>
-    <mc:Fallback xmlns:dsp="http://schemas.microsoft.com/office/drawing/2008/diagram" xmlns:dgm="http://schemas.openxmlformats.org/drawingml/2006/diagram" xmlns:c="http://schemas.openxmlformats.org/drawingml/2006/chart" xmlns="">
+    <mc:Fallback xmlns="" xmlns:c="http://schemas.openxmlformats.org/drawingml/2006/chart" xmlns:dgm="http://schemas.openxmlformats.org/drawingml/2006/diagram" xmlns:dsp="http://schemas.microsoft.com/office/drawing/2008/diagram">
       <p:transition/>
     </mc:Fallback>
   </mc:AlternateContent>
@@ -21739,7 +21745,7 @@
     <mc:Choice Requires="p14">
       <p:transition/>
     </mc:Choice>
-    <mc:Fallback xmlns:dsp="http://schemas.microsoft.com/office/drawing/2008/diagram" xmlns:dgm="http://schemas.openxmlformats.org/drawingml/2006/diagram" xmlns:c="http://schemas.openxmlformats.org/drawingml/2006/chart" xmlns="">
+    <mc:Fallback xmlns="" xmlns:c="http://schemas.openxmlformats.org/drawingml/2006/chart" xmlns:dgm="http://schemas.openxmlformats.org/drawingml/2006/diagram" xmlns:dsp="http://schemas.microsoft.com/office/drawing/2008/diagram">
       <p:transition/>
     </mc:Fallback>
   </mc:AlternateContent>
@@ -22094,7 +22100,7 @@
     <mc:Choice Requires="p14">
       <p:transition/>
     </mc:Choice>
-    <mc:Fallback xmlns:dsp="http://schemas.microsoft.com/office/drawing/2008/diagram" xmlns:dgm="http://schemas.openxmlformats.org/drawingml/2006/diagram" xmlns:c="http://schemas.openxmlformats.org/drawingml/2006/chart" xmlns="">
+    <mc:Fallback xmlns="" xmlns:c="http://schemas.openxmlformats.org/drawingml/2006/chart" xmlns:dgm="http://schemas.openxmlformats.org/drawingml/2006/diagram" xmlns:dsp="http://schemas.microsoft.com/office/drawing/2008/diagram">
       <p:transition/>
     </mc:Fallback>
   </mc:AlternateContent>
@@ -22742,7 +22748,7 @@
     <mc:Choice Requires="p14">
       <p:transition/>
     </mc:Choice>
-    <mc:Fallback xmlns:dsp="http://schemas.microsoft.com/office/drawing/2008/diagram" xmlns:dgm="http://schemas.openxmlformats.org/drawingml/2006/diagram" xmlns:c="http://schemas.openxmlformats.org/drawingml/2006/chart" xmlns="">
+    <mc:Fallback xmlns="" xmlns:c="http://schemas.openxmlformats.org/drawingml/2006/chart" xmlns:dgm="http://schemas.openxmlformats.org/drawingml/2006/diagram" xmlns:dsp="http://schemas.microsoft.com/office/drawing/2008/diagram">
       <p:transition/>
     </mc:Fallback>
   </mc:AlternateContent>
@@ -23250,7 +23256,7 @@
     <mc:Choice Requires="p14">
       <p:transition/>
     </mc:Choice>
-    <mc:Fallback xmlns:dsp="http://schemas.microsoft.com/office/drawing/2008/diagram" xmlns:dgm="http://schemas.openxmlformats.org/drawingml/2006/diagram" xmlns:c="http://schemas.openxmlformats.org/drawingml/2006/chart" xmlns="">
+    <mc:Fallback xmlns="" xmlns:c="http://schemas.openxmlformats.org/drawingml/2006/chart" xmlns:dgm="http://schemas.openxmlformats.org/drawingml/2006/diagram" xmlns:dsp="http://schemas.microsoft.com/office/drawing/2008/diagram">
       <p:transition/>
     </mc:Fallback>
   </mc:AlternateContent>
@@ -23795,7 +23801,7 @@
     <mc:Choice Requires="p14">
       <p:transition/>
     </mc:Choice>
-    <mc:Fallback xmlns:dsp="http://schemas.microsoft.com/office/drawing/2008/diagram" xmlns:dgm="http://schemas.openxmlformats.org/drawingml/2006/diagram" xmlns:c="http://schemas.openxmlformats.org/drawingml/2006/chart" xmlns="">
+    <mc:Fallback xmlns="" xmlns:c="http://schemas.openxmlformats.org/drawingml/2006/chart" xmlns:dgm="http://schemas.openxmlformats.org/drawingml/2006/diagram" xmlns:dsp="http://schemas.microsoft.com/office/drawing/2008/diagram">
       <p:transition/>
     </mc:Fallback>
   </mc:AlternateContent>
@@ -24459,7 +24465,7 @@
     <mc:Choice Requires="p14">
       <p:transition/>
     </mc:Choice>
-    <mc:Fallback xmlns:dsp="http://schemas.microsoft.com/office/drawing/2008/diagram" xmlns:dgm="http://schemas.openxmlformats.org/drawingml/2006/diagram" xmlns:c="http://schemas.openxmlformats.org/drawingml/2006/chart" xmlns="">
+    <mc:Fallback xmlns="" xmlns:c="http://schemas.openxmlformats.org/drawingml/2006/chart" xmlns:dgm="http://schemas.openxmlformats.org/drawingml/2006/diagram" xmlns:dsp="http://schemas.microsoft.com/office/drawing/2008/diagram">
       <p:transition/>
     </mc:Fallback>
   </mc:AlternateContent>
@@ -25136,7 +25142,7 @@
     <mc:Choice Requires="p14">
       <p:transition/>
     </mc:Choice>
-    <mc:Fallback xmlns:dsp="http://schemas.microsoft.com/office/drawing/2008/diagram" xmlns:dgm="http://schemas.openxmlformats.org/drawingml/2006/diagram" xmlns:c="http://schemas.openxmlformats.org/drawingml/2006/chart" xmlns="">
+    <mc:Fallback xmlns="" xmlns:c="http://schemas.openxmlformats.org/drawingml/2006/chart" xmlns:dgm="http://schemas.openxmlformats.org/drawingml/2006/diagram" xmlns:dsp="http://schemas.microsoft.com/office/drawing/2008/diagram">
       <p:transition/>
     </mc:Fallback>
   </mc:AlternateContent>
@@ -25491,7 +25497,7 @@
     <mc:Choice Requires="p14">
       <p:transition/>
     </mc:Choice>
-    <mc:Fallback xmlns:dsp="http://schemas.microsoft.com/office/drawing/2008/diagram" xmlns:dgm="http://schemas.openxmlformats.org/drawingml/2006/diagram" xmlns:c="http://schemas.openxmlformats.org/drawingml/2006/chart" xmlns="">
+    <mc:Fallback xmlns="" xmlns:c="http://schemas.openxmlformats.org/drawingml/2006/chart" xmlns:dgm="http://schemas.openxmlformats.org/drawingml/2006/diagram" xmlns:dsp="http://schemas.microsoft.com/office/drawing/2008/diagram">
       <p:transition/>
     </mc:Fallback>
   </mc:AlternateContent>
@@ -26000,7 +26006,7 @@
     <mc:Choice Requires="p14">
       <p:transition/>
     </mc:Choice>
-    <mc:Fallback xmlns:dsp="http://schemas.microsoft.com/office/drawing/2008/diagram" xmlns:dgm="http://schemas.openxmlformats.org/drawingml/2006/diagram" xmlns:c="http://schemas.openxmlformats.org/drawingml/2006/chart" xmlns="">
+    <mc:Fallback xmlns="" xmlns:c="http://schemas.openxmlformats.org/drawingml/2006/chart" xmlns:dgm="http://schemas.openxmlformats.org/drawingml/2006/diagram" xmlns:dsp="http://schemas.microsoft.com/office/drawing/2008/diagram">
       <p:transition/>
     </mc:Fallback>
   </mc:AlternateContent>
@@ -26652,7 +26658,7 @@
     <mc:Choice Requires="p14">
       <p:transition/>
     </mc:Choice>
-    <mc:Fallback xmlns:dsp="http://schemas.microsoft.com/office/drawing/2008/diagram" xmlns:dgm="http://schemas.openxmlformats.org/drawingml/2006/diagram" xmlns:c="http://schemas.openxmlformats.org/drawingml/2006/chart" xmlns="">
+    <mc:Fallback xmlns="" xmlns:c="http://schemas.openxmlformats.org/drawingml/2006/chart" xmlns:dgm="http://schemas.openxmlformats.org/drawingml/2006/diagram" xmlns:dsp="http://schemas.microsoft.com/office/drawing/2008/diagram">
       <p:transition/>
     </mc:Fallback>
   </mc:AlternateContent>
@@ -27154,7 +27160,7 @@
     <mc:Choice Requires="p14">
       <p:transition/>
     </mc:Choice>
-    <mc:Fallback xmlns:dsp="http://schemas.microsoft.com/office/drawing/2008/diagram" xmlns:dgm="http://schemas.openxmlformats.org/drawingml/2006/diagram" xmlns:c="http://schemas.openxmlformats.org/drawingml/2006/chart" xmlns="">
+    <mc:Fallback xmlns="" xmlns:c="http://schemas.openxmlformats.org/drawingml/2006/chart" xmlns:dgm="http://schemas.openxmlformats.org/drawingml/2006/diagram" xmlns:dsp="http://schemas.microsoft.com/office/drawing/2008/diagram">
       <p:transition/>
     </mc:Fallback>
   </mc:AlternateContent>
@@ -27497,7 +27503,7 @@
     <mc:Choice Requires="p14">
       <p:transition/>
     </mc:Choice>
-    <mc:Fallback xmlns:dsp="http://schemas.microsoft.com/office/drawing/2008/diagram" xmlns:dgm="http://schemas.openxmlformats.org/drawingml/2006/diagram" xmlns:c="http://schemas.openxmlformats.org/drawingml/2006/chart" xmlns="">
+    <mc:Fallback xmlns="" xmlns:c="http://schemas.openxmlformats.org/drawingml/2006/chart" xmlns:dgm="http://schemas.openxmlformats.org/drawingml/2006/diagram" xmlns:dsp="http://schemas.microsoft.com/office/drawing/2008/diagram">
       <p:transition/>
     </mc:Fallback>
   </mc:AlternateContent>
@@ -27879,7 +27885,7 @@
     <mc:Choice Requires="p14">
       <p:transition/>
     </mc:Choice>
-    <mc:Fallback xmlns:dsp="http://schemas.microsoft.com/office/drawing/2008/diagram" xmlns:dgm="http://schemas.openxmlformats.org/drawingml/2006/diagram" xmlns:c="http://schemas.openxmlformats.org/drawingml/2006/chart" xmlns="">
+    <mc:Fallback xmlns="" xmlns:c="http://schemas.openxmlformats.org/drawingml/2006/chart" xmlns:dgm="http://schemas.openxmlformats.org/drawingml/2006/diagram" xmlns:dsp="http://schemas.microsoft.com/office/drawing/2008/diagram">
       <p:transition/>
     </mc:Fallback>
   </mc:AlternateContent>
@@ -28234,7 +28240,7 @@
     <mc:Choice Requires="p14">
       <p:transition/>
     </mc:Choice>
-    <mc:Fallback xmlns:dsp="http://schemas.microsoft.com/office/drawing/2008/diagram" xmlns:dgm="http://schemas.openxmlformats.org/drawingml/2006/diagram" xmlns:c="http://schemas.openxmlformats.org/drawingml/2006/chart" xmlns="">
+    <mc:Fallback xmlns="" xmlns:c="http://schemas.openxmlformats.org/drawingml/2006/chart" xmlns:dgm="http://schemas.openxmlformats.org/drawingml/2006/diagram" xmlns:dsp="http://schemas.microsoft.com/office/drawing/2008/diagram">
       <p:transition/>
     </mc:Fallback>
   </mc:AlternateContent>
@@ -28709,7 +28715,7 @@
     <mc:Choice Requires="p14">
       <p:transition/>
     </mc:Choice>
-    <mc:Fallback xmlns:dsp="http://schemas.microsoft.com/office/drawing/2008/diagram" xmlns:dgm="http://schemas.openxmlformats.org/drawingml/2006/diagram" xmlns:c="http://schemas.openxmlformats.org/drawingml/2006/chart" xmlns="">
+    <mc:Fallback xmlns="" xmlns:c="http://schemas.openxmlformats.org/drawingml/2006/chart" xmlns:dgm="http://schemas.openxmlformats.org/drawingml/2006/diagram" xmlns:dsp="http://schemas.microsoft.com/office/drawing/2008/diagram">
       <p:transition/>
     </mc:Fallback>
   </mc:AlternateContent>
@@ -29322,7 +29328,7 @@
     <mc:Choice Requires="p14">
       <p:transition/>
     </mc:Choice>
-    <mc:Fallback xmlns:dsp="http://schemas.microsoft.com/office/drawing/2008/diagram" xmlns:dgm="http://schemas.openxmlformats.org/drawingml/2006/diagram" xmlns:c="http://schemas.openxmlformats.org/drawingml/2006/chart" xmlns="">
+    <mc:Fallback xmlns="" xmlns:c="http://schemas.openxmlformats.org/drawingml/2006/chart" xmlns:dgm="http://schemas.openxmlformats.org/drawingml/2006/diagram" xmlns:dsp="http://schemas.microsoft.com/office/drawing/2008/diagram">
       <p:transition/>
     </mc:Fallback>
   </mc:AlternateContent>
@@ -29932,7 +29938,7 @@
     <mc:Choice Requires="p14">
       <p:transition/>
     </mc:Choice>
-    <mc:Fallback xmlns:dsp="http://schemas.microsoft.com/office/drawing/2008/diagram" xmlns:dgm="http://schemas.openxmlformats.org/drawingml/2006/diagram" xmlns:c="http://schemas.openxmlformats.org/drawingml/2006/chart" xmlns="">
+    <mc:Fallback xmlns="" xmlns:c="http://schemas.openxmlformats.org/drawingml/2006/chart" xmlns:dgm="http://schemas.openxmlformats.org/drawingml/2006/diagram" xmlns:dsp="http://schemas.microsoft.com/office/drawing/2008/diagram">
       <p:transition/>
     </mc:Fallback>
   </mc:AlternateContent>
@@ -30544,7 +30550,7 @@
     <mc:Choice Requires="p14">
       <p:transition/>
     </mc:Choice>
-    <mc:Fallback xmlns:dsp="http://schemas.microsoft.com/office/drawing/2008/diagram" xmlns:dgm="http://schemas.openxmlformats.org/drawingml/2006/diagram" xmlns:c="http://schemas.openxmlformats.org/drawingml/2006/chart" xmlns="">
+    <mc:Fallback xmlns="" xmlns:c="http://schemas.openxmlformats.org/drawingml/2006/chart" xmlns:dgm="http://schemas.openxmlformats.org/drawingml/2006/diagram" xmlns:dsp="http://schemas.microsoft.com/office/drawing/2008/diagram">
       <p:transition/>
     </mc:Fallback>
   </mc:AlternateContent>
@@ -31248,7 +31254,7 @@
     <mc:Choice Requires="p14">
       <p:transition/>
     </mc:Choice>
-    <mc:Fallback xmlns:dsp="http://schemas.microsoft.com/office/drawing/2008/diagram" xmlns:dgm="http://schemas.openxmlformats.org/drawingml/2006/diagram" xmlns:c="http://schemas.openxmlformats.org/drawingml/2006/chart" xmlns="">
+    <mc:Fallback xmlns="" xmlns:c="http://schemas.openxmlformats.org/drawingml/2006/chart" xmlns:dgm="http://schemas.openxmlformats.org/drawingml/2006/diagram" xmlns:dsp="http://schemas.microsoft.com/office/drawing/2008/diagram">
       <p:transition/>
     </mc:Fallback>
   </mc:AlternateContent>
@@ -31894,7 +31900,7 @@
     <mc:Choice Requires="p14">
       <p:transition/>
     </mc:Choice>
-    <mc:Fallback xmlns:dsp="http://schemas.microsoft.com/office/drawing/2008/diagram" xmlns:dgm="http://schemas.openxmlformats.org/drawingml/2006/diagram" xmlns:c="http://schemas.openxmlformats.org/drawingml/2006/chart" xmlns="">
+    <mc:Fallback xmlns="" xmlns:c="http://schemas.openxmlformats.org/drawingml/2006/chart" xmlns:dgm="http://schemas.openxmlformats.org/drawingml/2006/diagram" xmlns:dsp="http://schemas.microsoft.com/office/drawing/2008/diagram">
       <p:transition/>
     </mc:Fallback>
   </mc:AlternateContent>
@@ -32653,7 +32659,7 @@
     <mc:Choice Requires="p14">
       <p:transition/>
     </mc:Choice>
-    <mc:Fallback xmlns:dsp="http://schemas.microsoft.com/office/drawing/2008/diagram" xmlns:dgm="http://schemas.openxmlformats.org/drawingml/2006/diagram" xmlns:c="http://schemas.openxmlformats.org/drawingml/2006/chart" xmlns="">
+    <mc:Fallback xmlns="" xmlns:c="http://schemas.openxmlformats.org/drawingml/2006/chart" xmlns:dgm="http://schemas.openxmlformats.org/drawingml/2006/diagram" xmlns:dsp="http://schemas.microsoft.com/office/drawing/2008/diagram">
       <p:transition/>
     </mc:Fallback>
   </mc:AlternateContent>
@@ -33644,7 +33650,7 @@
     <mc:Choice Requires="p14">
       <p:transition/>
     </mc:Choice>
-    <mc:Fallback xmlns:dsp="http://schemas.microsoft.com/office/drawing/2008/diagram" xmlns:dgm="http://schemas.openxmlformats.org/drawingml/2006/diagram" xmlns:c="http://schemas.openxmlformats.org/drawingml/2006/chart" xmlns="">
+    <mc:Fallback xmlns="" xmlns:c="http://schemas.openxmlformats.org/drawingml/2006/chart" xmlns:dgm="http://schemas.openxmlformats.org/drawingml/2006/diagram" xmlns:dsp="http://schemas.microsoft.com/office/drawing/2008/diagram">
       <p:transition/>
     </mc:Fallback>
   </mc:AlternateContent>
@@ -33999,7 +34005,7 @@
     <mc:Choice Requires="p14">
       <p:transition/>
     </mc:Choice>
-    <mc:Fallback xmlns:dsp="http://schemas.microsoft.com/office/drawing/2008/diagram" xmlns:dgm="http://schemas.openxmlformats.org/drawingml/2006/diagram" xmlns:c="http://schemas.openxmlformats.org/drawingml/2006/chart" xmlns="">
+    <mc:Fallback xmlns="" xmlns:c="http://schemas.openxmlformats.org/drawingml/2006/chart" xmlns:dgm="http://schemas.openxmlformats.org/drawingml/2006/diagram" xmlns:dsp="http://schemas.microsoft.com/office/drawing/2008/diagram">
       <p:transition/>
     </mc:Fallback>
   </mc:AlternateContent>
@@ -34354,7 +34360,7 @@
     <mc:Choice Requires="p14">
       <p:transition/>
     </mc:Choice>
-    <mc:Fallback xmlns:dsp="http://schemas.microsoft.com/office/drawing/2008/diagram" xmlns:dgm="http://schemas.openxmlformats.org/drawingml/2006/diagram" xmlns:c="http://schemas.openxmlformats.org/drawingml/2006/chart" xmlns="">
+    <mc:Fallback xmlns="" xmlns:c="http://schemas.openxmlformats.org/drawingml/2006/chart" xmlns:dgm="http://schemas.openxmlformats.org/drawingml/2006/diagram" xmlns:dsp="http://schemas.microsoft.com/office/drawing/2008/diagram">
       <p:transition/>
     </mc:Fallback>
   </mc:AlternateContent>
@@ -35063,7 +35069,7 @@
     <mc:Choice Requires="p14">
       <p:transition/>
     </mc:Choice>
-    <mc:Fallback xmlns:dsp="http://schemas.microsoft.com/office/drawing/2008/diagram" xmlns:dgm="http://schemas.openxmlformats.org/drawingml/2006/diagram" xmlns:c="http://schemas.openxmlformats.org/drawingml/2006/chart" xmlns="">
+    <mc:Fallback xmlns="" xmlns:c="http://schemas.openxmlformats.org/drawingml/2006/chart" xmlns:dgm="http://schemas.openxmlformats.org/drawingml/2006/diagram" xmlns:dsp="http://schemas.microsoft.com/office/drawing/2008/diagram">
       <p:transition/>
     </mc:Fallback>
   </mc:AlternateContent>
@@ -35418,7 +35424,7 @@
     <mc:Choice Requires="p14">
       <p:transition/>
     </mc:Choice>
-    <mc:Fallback xmlns:dsp="http://schemas.microsoft.com/office/drawing/2008/diagram" xmlns:dgm="http://schemas.openxmlformats.org/drawingml/2006/diagram" xmlns:c="http://schemas.openxmlformats.org/drawingml/2006/chart" xmlns="">
+    <mc:Fallback xmlns="" xmlns:c="http://schemas.openxmlformats.org/drawingml/2006/chart" xmlns:dgm="http://schemas.openxmlformats.org/drawingml/2006/diagram" xmlns:dsp="http://schemas.microsoft.com/office/drawing/2008/diagram">
       <p:transition/>
     </mc:Fallback>
   </mc:AlternateContent>
@@ -36201,7 +36207,7 @@
     <mc:Choice Requires="p14">
       <p:transition/>
     </mc:Choice>
-    <mc:Fallback xmlns:dsp="http://schemas.microsoft.com/office/drawing/2008/diagram" xmlns:dgm="http://schemas.openxmlformats.org/drawingml/2006/diagram" xmlns:c="http://schemas.openxmlformats.org/drawingml/2006/chart" xmlns="">
+    <mc:Fallback xmlns="" xmlns:c="http://schemas.openxmlformats.org/drawingml/2006/chart" xmlns:dgm="http://schemas.openxmlformats.org/drawingml/2006/diagram" xmlns:dsp="http://schemas.microsoft.com/office/drawing/2008/diagram">
       <p:transition/>
     </mc:Fallback>
   </mc:AlternateContent>
@@ -37131,7 +37137,7 @@
     <mc:Choice Requires="p14">
       <p:transition/>
     </mc:Choice>
-    <mc:Fallback xmlns:dsp="http://schemas.microsoft.com/office/drawing/2008/diagram" xmlns:dgm="http://schemas.openxmlformats.org/drawingml/2006/diagram" xmlns:c="http://schemas.openxmlformats.org/drawingml/2006/chart" xmlns="">
+    <mc:Fallback xmlns="" xmlns:c="http://schemas.openxmlformats.org/drawingml/2006/chart" xmlns:dgm="http://schemas.openxmlformats.org/drawingml/2006/diagram" xmlns:dsp="http://schemas.microsoft.com/office/drawing/2008/diagram">
       <p:transition/>
     </mc:Fallback>
   </mc:AlternateContent>
@@ -37559,7 +37565,7 @@
     <mc:Choice Requires="p14">
       <p:transition/>
     </mc:Choice>
-    <mc:Fallback xmlns:dsp="http://schemas.microsoft.com/office/drawing/2008/diagram" xmlns:dgm="http://schemas.openxmlformats.org/drawingml/2006/diagram" xmlns:c="http://schemas.openxmlformats.org/drawingml/2006/chart" xmlns="">
+    <mc:Fallback xmlns="" xmlns:c="http://schemas.openxmlformats.org/drawingml/2006/chart" xmlns:dgm="http://schemas.openxmlformats.org/drawingml/2006/diagram" xmlns:dsp="http://schemas.microsoft.com/office/drawing/2008/diagram">
       <p:transition/>
     </mc:Fallback>
   </mc:AlternateContent>
@@ -37914,7 +37920,7 @@
     <mc:Choice Requires="p14">
       <p:transition/>
     </mc:Choice>
-    <mc:Fallback xmlns:dsp="http://schemas.microsoft.com/office/drawing/2008/diagram" xmlns:dgm="http://schemas.openxmlformats.org/drawingml/2006/diagram" xmlns:c="http://schemas.openxmlformats.org/drawingml/2006/chart" xmlns="">
+    <mc:Fallback xmlns="" xmlns:c="http://schemas.openxmlformats.org/drawingml/2006/chart" xmlns:dgm="http://schemas.openxmlformats.org/drawingml/2006/diagram" xmlns:dsp="http://schemas.microsoft.com/office/drawing/2008/diagram">
       <p:transition/>
     </mc:Fallback>
   </mc:AlternateContent>
@@ -38403,7 +38409,7 @@
     <mc:Choice Requires="p14">
       <p:transition/>
     </mc:Choice>
-    <mc:Fallback xmlns:dsp="http://schemas.microsoft.com/office/drawing/2008/diagram" xmlns:dgm="http://schemas.openxmlformats.org/drawingml/2006/diagram" xmlns:c="http://schemas.openxmlformats.org/drawingml/2006/chart" xmlns="">
+    <mc:Fallback xmlns="" xmlns:c="http://schemas.openxmlformats.org/drawingml/2006/chart" xmlns:dgm="http://schemas.openxmlformats.org/drawingml/2006/diagram" xmlns:dsp="http://schemas.microsoft.com/office/drawing/2008/diagram">
       <p:transition/>
     </mc:Fallback>
   </mc:AlternateContent>
@@ -38728,7 +38734,7 @@
     <mc:Choice Requires="p14">
       <p:transition/>
     </mc:Choice>
-    <mc:Fallback xmlns:dsp="http://schemas.microsoft.com/office/drawing/2008/diagram" xmlns:dgm="http://schemas.openxmlformats.org/drawingml/2006/diagram" xmlns:c="http://schemas.openxmlformats.org/drawingml/2006/chart" xmlns="">
+    <mc:Fallback xmlns="" xmlns:c="http://schemas.openxmlformats.org/drawingml/2006/chart" xmlns:dgm="http://schemas.openxmlformats.org/drawingml/2006/diagram" xmlns:dsp="http://schemas.microsoft.com/office/drawing/2008/diagram">
       <p:transition/>
     </mc:Fallback>
   </mc:AlternateContent>
@@ -39184,7 +39190,7 @@
     <mc:Choice Requires="p14">
       <p:transition/>
     </mc:Choice>
-    <mc:Fallback xmlns:dsp="http://schemas.microsoft.com/office/drawing/2008/diagram" xmlns:dgm="http://schemas.openxmlformats.org/drawingml/2006/diagram" xmlns:c="http://schemas.openxmlformats.org/drawingml/2006/chart" xmlns="">
+    <mc:Fallback xmlns="" xmlns:c="http://schemas.openxmlformats.org/drawingml/2006/chart" xmlns:dgm="http://schemas.openxmlformats.org/drawingml/2006/diagram" xmlns:dsp="http://schemas.microsoft.com/office/drawing/2008/diagram">
       <p:transition/>
     </mc:Fallback>
   </mc:AlternateContent>
